--- a/Slide bao cao.pptx
+++ b/Slide bao cao.pptx
@@ -5,7 +5,7 @@
     <p:sldMasterId id="2147483681" r:id="rId1"/>
   </p:sldMasterIdLst>
   <p:notesMasterIdLst>
-    <p:notesMasterId r:id="rId16"/>
+    <p:notesMasterId r:id="rId17"/>
   </p:notesMasterIdLst>
   <p:sldIdLst>
     <p:sldId id="256" r:id="rId2"/>
@@ -21,42 +21,43 @@
     <p:sldId id="316" r:id="rId12"/>
     <p:sldId id="317" r:id="rId13"/>
     <p:sldId id="319" r:id="rId14"/>
-    <p:sldId id="284" r:id="rId15"/>
+    <p:sldId id="320" r:id="rId15"/>
+    <p:sldId id="284" r:id="rId16"/>
   </p:sldIdLst>
   <p:sldSz cx="9144000" cy="5143500" type="screen16x9"/>
   <p:notesSz cx="6858000" cy="9144000"/>
   <p:embeddedFontLst>
     <p:embeddedFont>
-      <p:font typeface="Fjalla One" panose="020B0604020202020204" charset="0"/>
-      <p:regular r:id="rId17"/>
-    </p:embeddedFont>
-    <p:embeddedFont>
-      <p:font typeface="Open Sans Light" panose="020B0604020202020204" charset="0"/>
+      <p:font typeface="Comic Sans MS" panose="030F0702030302020204" pitchFamily="66" charset="0"/>
       <p:regular r:id="rId18"/>
       <p:bold r:id="rId19"/>
       <p:italic r:id="rId20"/>
       <p:boldItalic r:id="rId21"/>
     </p:embeddedFont>
     <p:embeddedFont>
-      <p:font typeface="Comic Sans MS" panose="030F0702030302020204" pitchFamily="66" charset="0"/>
+      <p:font typeface="Roboto Condensed" panose="020B0604020202020204" charset="0"/>
       <p:regular r:id="rId22"/>
       <p:bold r:id="rId23"/>
       <p:italic r:id="rId24"/>
       <p:boldItalic r:id="rId25"/>
     </p:embeddedFont>
     <p:embeddedFont>
-      <p:font typeface="Roboto Condensed" panose="020B0604020202020204" charset="0"/>
+      <p:font typeface="Open Sans Light" panose="020B0604020202020204" charset="0"/>
       <p:regular r:id="rId26"/>
       <p:bold r:id="rId27"/>
       <p:italic r:id="rId28"/>
       <p:boldItalic r:id="rId29"/>
     </p:embeddedFont>
     <p:embeddedFont>
+      <p:font typeface="Fjalla One" panose="020B0604020202020204" charset="0"/>
+      <p:regular r:id="rId30"/>
+    </p:embeddedFont>
+    <p:embeddedFont>
       <p:font typeface="Roboto" panose="020B0604020202020204" charset="0"/>
-      <p:regular r:id="rId30"/>
-      <p:bold r:id="rId31"/>
-      <p:italic r:id="rId32"/>
-      <p:boldItalic r:id="rId33"/>
+      <p:regular r:id="rId31"/>
+      <p:bold r:id="rId32"/>
+      <p:italic r:id="rId33"/>
+      <p:boldItalic r:id="rId34"/>
     </p:embeddedFont>
   </p:embeddedFontLst>
   <p:defaultTextStyle>
@@ -1289,6 +1290,115 @@
 </file>
 
 <file path=ppt/notesSlides/notesSlide14.xml><?xml version="1.0" encoding="utf-8"?>
+<p:notes xmlns:a="http://schemas.openxmlformats.org/drawingml/2006/main" xmlns:r="http://schemas.openxmlformats.org/officeDocument/2006/relationships" xmlns:p="http://schemas.openxmlformats.org/presentationml/2006/main" showMasterSp="0" showMasterPhAnim="0">
+  <p:cSld>
+    <p:spTree>
+      <p:nvGrpSpPr>
+        <p:cNvPr id="1" name="Shape 439"/>
+        <p:cNvGrpSpPr/>
+        <p:nvPr/>
+      </p:nvGrpSpPr>
+      <p:grpSpPr>
+        <a:xfrm>
+          <a:off x="0" y="0"/>
+          <a:ext cx="0" cy="0"/>
+          <a:chOff x="0" y="0"/>
+          <a:chExt cx="0" cy="0"/>
+        </a:xfrm>
+      </p:grpSpPr>
+      <p:sp>
+        <p:nvSpPr>
+          <p:cNvPr id="440" name="Google Shape;440;g994d958042_1_477:notes"/>
+          <p:cNvSpPr>
+            <a:spLocks noGrp="1" noRot="1" noChangeAspect="1"/>
+          </p:cNvSpPr>
+          <p:nvPr>
+            <p:ph type="sldImg" idx="2"/>
+          </p:nvPr>
+        </p:nvSpPr>
+        <p:spPr>
+          <a:xfrm>
+            <a:off x="381000" y="685800"/>
+            <a:ext cx="6096000" cy="3429000"/>
+          </a:xfrm>
+          <a:custGeom>
+            <a:avLst/>
+            <a:gdLst/>
+            <a:ahLst/>
+            <a:cxnLst/>
+            <a:rect l="l" t="t" r="r" b="b"/>
+            <a:pathLst>
+              <a:path w="120000" h="120000" extrusionOk="0">
+                <a:moveTo>
+                  <a:pt x="0" y="0"/>
+                </a:moveTo>
+                <a:lnTo>
+                  <a:pt x="120000" y="0"/>
+                </a:lnTo>
+                <a:lnTo>
+                  <a:pt x="120000" y="120000"/>
+                </a:lnTo>
+                <a:lnTo>
+                  <a:pt x="0" y="120000"/>
+                </a:lnTo>
+                <a:close/>
+              </a:path>
+            </a:pathLst>
+          </a:custGeom>
+        </p:spPr>
+      </p:sp>
+      <p:sp>
+        <p:nvSpPr>
+          <p:cNvPr id="441" name="Google Shape;441;g994d958042_1_477:notes"/>
+          <p:cNvSpPr txBox="1">
+            <a:spLocks noGrp="1"/>
+          </p:cNvSpPr>
+          <p:nvPr>
+            <p:ph type="body" idx="1"/>
+          </p:nvPr>
+        </p:nvSpPr>
+        <p:spPr>
+          <a:xfrm>
+            <a:off x="685800" y="4343400"/>
+            <a:ext cx="5486400" cy="4114800"/>
+          </a:xfrm>
+          <a:prstGeom prst="rect">
+            <a:avLst/>
+          </a:prstGeom>
+        </p:spPr>
+        <p:txBody>
+          <a:bodyPr spcFirstLastPara="1" wrap="square" lIns="91425" tIns="91425" rIns="91425" bIns="91425" anchor="t" anchorCtr="0">
+            <a:noAutofit/>
+          </a:bodyPr>
+          <a:lstStyle/>
+          <a:p>
+            <a:pPr marL="0" lvl="0" indent="0" algn="l" rtl="0">
+              <a:spcBef>
+                <a:spcPts val="0"/>
+              </a:spcBef>
+              <a:spcAft>
+                <a:spcPts val="0"/>
+              </a:spcAft>
+              <a:buNone/>
+            </a:pPr>
+            <a:endParaRPr/>
+          </a:p>
+        </p:txBody>
+      </p:sp>
+    </p:spTree>
+    <p:extLst>
+      <p:ext uri="{BB962C8B-B14F-4D97-AF65-F5344CB8AC3E}">
+        <p14:creationId xmlns:p14="http://schemas.microsoft.com/office/powerpoint/2010/main" val="3205682817"/>
+      </p:ext>
+    </p:extLst>
+  </p:cSld>
+  <p:clrMapOvr>
+    <a:masterClrMapping/>
+  </p:clrMapOvr>
+</p:notes>
+</file>
+
+<file path=ppt/notesSlides/notesSlide15.xml><?xml version="1.0" encoding="utf-8"?>
 <p:notes xmlns:a="http://schemas.openxmlformats.org/drawingml/2006/main" xmlns:r="http://schemas.openxmlformats.org/officeDocument/2006/relationships" xmlns:p="http://schemas.openxmlformats.org/presentationml/2006/main" showMasterSp="0" showMasterPhAnim="0">
   <p:cSld>
     <p:spTree>
@@ -18350,6 +18460,579 @@
   <p:cSld>
     <p:spTree>
       <p:nvGrpSpPr>
+        <p:cNvPr id="1" name="Shape 442"/>
+        <p:cNvGrpSpPr/>
+        <p:nvPr/>
+      </p:nvGrpSpPr>
+      <p:grpSpPr>
+        <a:xfrm>
+          <a:off x="0" y="0"/>
+          <a:ext cx="0" cy="0"/>
+          <a:chOff x="0" y="0"/>
+          <a:chExt cx="0" cy="0"/>
+        </a:xfrm>
+      </p:grpSpPr>
+      <p:sp>
+        <p:nvSpPr>
+          <p:cNvPr id="5" name="TextBox 4"/>
+          <p:cNvSpPr txBox="1"/>
+          <p:nvPr/>
+        </p:nvSpPr>
+        <p:spPr>
+          <a:xfrm>
+            <a:off x="460638" y="295633"/>
+            <a:ext cx="3162586" cy="369332"/>
+          </a:xfrm>
+          <a:prstGeom prst="rect">
+            <a:avLst/>
+          </a:prstGeom>
+          <a:noFill/>
+        </p:spPr>
+        <p:txBody>
+          <a:bodyPr wrap="square" rtlCol="0">
+            <a:spAutoFit/>
+          </a:bodyPr>
+          <a:lstStyle/>
+          <a:p>
+            <a:r>
+              <a:rPr lang="en-US" sz="1800" b="1" smtClean="0">
+                <a:latin typeface="Roboto" panose="020B0604020202020204" charset="0"/>
+                <a:ea typeface="Roboto" panose="020B0604020202020204" charset="0"/>
+              </a:rPr>
+              <a:t>III. Demo &amp; đánh giá.</a:t>
+            </a:r>
+            <a:endParaRPr lang="en-US" sz="1800" b="1">
+              <a:latin typeface="Roboto" panose="020B0604020202020204" charset="0"/>
+              <a:ea typeface="Roboto" panose="020B0604020202020204" charset="0"/>
+            </a:endParaRPr>
+          </a:p>
+        </p:txBody>
+      </p:sp>
+      <p:sp>
+        <p:nvSpPr>
+          <p:cNvPr id="7" name="Rectangle 6"/>
+          <p:cNvSpPr/>
+          <p:nvPr/>
+        </p:nvSpPr>
+        <p:spPr>
+          <a:xfrm>
+            <a:off x="3994484" y="728770"/>
+            <a:ext cx="1388788" cy="481264"/>
+          </a:xfrm>
+          <a:prstGeom prst="rect">
+            <a:avLst/>
+          </a:prstGeom>
+          <a:solidFill>
+            <a:schemeClr val="bg1"/>
+          </a:solidFill>
+          <a:ln>
+            <a:solidFill>
+              <a:schemeClr val="bg1"/>
+            </a:solidFill>
+          </a:ln>
+        </p:spPr>
+        <p:style>
+          <a:lnRef idx="2">
+            <a:schemeClr val="accent1">
+              <a:shade val="50000"/>
+            </a:schemeClr>
+          </a:lnRef>
+          <a:fillRef idx="1">
+            <a:schemeClr val="accent1"/>
+          </a:fillRef>
+          <a:effectRef idx="0">
+            <a:schemeClr val="accent1"/>
+          </a:effectRef>
+          <a:fontRef idx="minor">
+            <a:schemeClr val="lt1"/>
+          </a:fontRef>
+        </p:style>
+        <p:txBody>
+          <a:bodyPr rtlCol="0" anchor="ctr"/>
+          <a:lstStyle/>
+          <a:p>
+            <a:pPr algn="ctr"/>
+            <a:endParaRPr lang="en-US"/>
+          </a:p>
+        </p:txBody>
+      </p:sp>
+      <p:sp>
+        <p:nvSpPr>
+          <p:cNvPr id="6" name="TextBox 5"/>
+          <p:cNvSpPr txBox="1"/>
+          <p:nvPr/>
+        </p:nvSpPr>
+        <p:spPr>
+          <a:xfrm>
+            <a:off x="646268" y="673446"/>
+            <a:ext cx="2241311" cy="307777"/>
+          </a:xfrm>
+          <a:prstGeom prst="rect">
+            <a:avLst/>
+          </a:prstGeom>
+          <a:noFill/>
+        </p:spPr>
+        <p:txBody>
+          <a:bodyPr wrap="square" rtlCol="0">
+            <a:spAutoFit/>
+          </a:bodyPr>
+          <a:lstStyle/>
+          <a:p>
+            <a:r>
+              <a:rPr lang="en-US" b="1" i="1" smtClean="0">
+                <a:latin typeface="Roboto" panose="020B0604020202020204" charset="0"/>
+                <a:ea typeface="Roboto" panose="020B0604020202020204" charset="0"/>
+              </a:rPr>
+              <a:t>5. Phân chia công việc.</a:t>
+            </a:r>
+            <a:endParaRPr lang="en-US" b="1" i="1">
+              <a:latin typeface="Roboto" panose="020B0604020202020204" charset="0"/>
+              <a:ea typeface="Roboto" panose="020B0604020202020204" charset="0"/>
+            </a:endParaRPr>
+          </a:p>
+        </p:txBody>
+      </p:sp>
+      <p:graphicFrame>
+        <p:nvGraphicFramePr>
+          <p:cNvPr id="8" name="Table 7"/>
+          <p:cNvGraphicFramePr>
+            <a:graphicFrameLocks noGrp="1"/>
+          </p:cNvGraphicFramePr>
+          <p:nvPr>
+            <p:extLst>
+              <p:ext uri="{D42A27DB-BD31-4B8C-83A1-F6EECF244321}">
+                <p14:modId xmlns:p14="http://schemas.microsoft.com/office/powerpoint/2010/main" val="2420748681"/>
+              </p:ext>
+            </p:extLst>
+          </p:nvPr>
+        </p:nvGraphicFramePr>
+        <p:xfrm>
+          <a:off x="1400247" y="1210034"/>
+          <a:ext cx="6096000" cy="2528685"/>
+        </p:xfrm>
+        <a:graphic>
+          <a:graphicData uri="http://schemas.openxmlformats.org/drawingml/2006/table">
+            <a:tbl>
+              <a:tblPr firstRow="1" bandRow="1">
+                <a:tableStyleId>{ABC93964-53E9-4727-812C-4D3D7A7EFD37}</a:tableStyleId>
+              </a:tblPr>
+              <a:tblGrid>
+                <a:gridCol w="2032000">
+                  <a:extLst>
+                    <a:ext uri="{9D8B030D-6E8A-4147-A177-3AD203B41FA5}">
+                      <a16:colId xmlns:a16="http://schemas.microsoft.com/office/drawing/2014/main" val="3425026844"/>
+                    </a:ext>
+                  </a:extLst>
+                </a:gridCol>
+                <a:gridCol w="2032000">
+                  <a:extLst>
+                    <a:ext uri="{9D8B030D-6E8A-4147-A177-3AD203B41FA5}">
+                      <a16:colId xmlns:a16="http://schemas.microsoft.com/office/drawing/2014/main" val="3298568524"/>
+                    </a:ext>
+                  </a:extLst>
+                </a:gridCol>
+                <a:gridCol w="2032000">
+                  <a:extLst>
+                    <a:ext uri="{9D8B030D-6E8A-4147-A177-3AD203B41FA5}">
+                      <a16:colId xmlns:a16="http://schemas.microsoft.com/office/drawing/2014/main" val="376823770"/>
+                    </a:ext>
+                  </a:extLst>
+                </a:gridCol>
+              </a:tblGrid>
+              <a:tr h="370840">
+                <a:tc>
+                  <a:txBody>
+                    <a:bodyPr/>
+                    <a:lstStyle/>
+                    <a:p>
+                      <a:pPr algn="ctr"/>
+                      <a:r>
+                        <a:rPr lang="en-US" b="1" i="0" smtClean="0"/>
+                        <a:t>Công</a:t>
+                      </a:r>
+                      <a:r>
+                        <a:rPr lang="en-US" b="1" i="0" baseline="0" smtClean="0"/>
+                        <a:t> việc</a:t>
+                      </a:r>
+                      <a:endParaRPr lang="en-US" b="1" i="0"/>
+                    </a:p>
+                  </a:txBody>
+                  <a:tcPr>
+                    <a:solidFill>
+                      <a:schemeClr val="tx1">
+                        <a:lumMod val="40000"/>
+                        <a:lumOff val="60000"/>
+                      </a:schemeClr>
+                    </a:solidFill>
+                  </a:tcPr>
+                </a:tc>
+                <a:tc>
+                  <a:txBody>
+                    <a:bodyPr/>
+                    <a:lstStyle/>
+                    <a:p>
+                      <a:pPr algn="ctr"/>
+                      <a:r>
+                        <a:rPr lang="en-US" b="1" i="0" smtClean="0"/>
+                        <a:t>Ngô</a:t>
+                      </a:r>
+                      <a:r>
+                        <a:rPr lang="en-US" b="1" i="0" baseline="0" smtClean="0"/>
+                        <a:t> Minh Khánh</a:t>
+                      </a:r>
+                      <a:endParaRPr lang="en-US" b="1" i="0"/>
+                    </a:p>
+                  </a:txBody>
+                  <a:tcPr>
+                    <a:solidFill>
+                      <a:schemeClr val="tx1">
+                        <a:lumMod val="40000"/>
+                        <a:lumOff val="60000"/>
+                      </a:schemeClr>
+                    </a:solidFill>
+                  </a:tcPr>
+                </a:tc>
+                <a:tc>
+                  <a:txBody>
+                    <a:bodyPr/>
+                    <a:lstStyle/>
+                    <a:p>
+                      <a:pPr algn="ctr"/>
+                      <a:r>
+                        <a:rPr lang="en-US" b="1" i="0" smtClean="0"/>
+                        <a:t>Đặng</a:t>
+                      </a:r>
+                      <a:r>
+                        <a:rPr lang="en-US" b="1" i="0" baseline="0" smtClean="0"/>
+                        <a:t> Trung Hiếu</a:t>
+                      </a:r>
+                      <a:endParaRPr lang="en-US" b="1" i="0"/>
+                    </a:p>
+                  </a:txBody>
+                  <a:tcPr>
+                    <a:solidFill>
+                      <a:schemeClr val="tx1">
+                        <a:lumMod val="40000"/>
+                        <a:lumOff val="60000"/>
+                      </a:schemeClr>
+                    </a:solidFill>
+                  </a:tcPr>
+                </a:tc>
+                <a:extLst>
+                  <a:ext uri="{0D108BD9-81ED-4DB2-BD59-A6C34878D82A}">
+                    <a16:rowId xmlns:a16="http://schemas.microsoft.com/office/drawing/2014/main" val="159176865"/>
+                  </a:ext>
+                </a:extLst>
+              </a:tr>
+              <a:tr h="370840">
+                <a:tc>
+                  <a:txBody>
+                    <a:bodyPr/>
+                    <a:lstStyle/>
+                    <a:p>
+                      <a:pPr algn="ctr"/>
+                      <a:r>
+                        <a:rPr lang="en-US" smtClean="0"/>
+                        <a:t>Lên</a:t>
+                      </a:r>
+                      <a:r>
+                        <a:rPr lang="en-US" baseline="0" smtClean="0"/>
+                        <a:t> ý tưởng</a:t>
+                      </a:r>
+                      <a:endParaRPr lang="en-US"/>
+                    </a:p>
+                  </a:txBody>
+                  <a:tcPr/>
+                </a:tc>
+                <a:tc>
+                  <a:txBody>
+                    <a:bodyPr/>
+                    <a:lstStyle/>
+                    <a:p>
+                      <a:pPr algn="ctr"/>
+                      <a:r>
+                        <a:rPr lang="en-US" smtClean="0"/>
+                        <a:t>X</a:t>
+                      </a:r>
+                      <a:endParaRPr lang="en-US"/>
+                    </a:p>
+                  </a:txBody>
+                  <a:tcPr/>
+                </a:tc>
+                <a:tc>
+                  <a:txBody>
+                    <a:bodyPr/>
+                    <a:lstStyle/>
+                    <a:p>
+                      <a:pPr algn="ctr"/>
+                      <a:r>
+                        <a:rPr lang="en-US" smtClean="0"/>
+                        <a:t>X</a:t>
+                      </a:r>
+                      <a:endParaRPr lang="en-US"/>
+                    </a:p>
+                  </a:txBody>
+                  <a:tcPr/>
+                </a:tc>
+                <a:extLst>
+                  <a:ext uri="{0D108BD9-81ED-4DB2-BD59-A6C34878D82A}">
+                    <a16:rowId xmlns:a16="http://schemas.microsoft.com/office/drawing/2014/main" val="2735277296"/>
+                  </a:ext>
+                </a:extLst>
+              </a:tr>
+              <a:tr h="370840">
+                <a:tc>
+                  <a:txBody>
+                    <a:bodyPr/>
+                    <a:lstStyle/>
+                    <a:p>
+                      <a:pPr algn="ctr"/>
+                      <a:r>
+                        <a:rPr lang="en-US" smtClean="0"/>
+                        <a:t>Test</a:t>
+                      </a:r>
+                      <a:r>
+                        <a:rPr lang="en-US" baseline="0" smtClean="0"/>
+                        <a:t> mạch trên testboard (bảng cắm)</a:t>
+                      </a:r>
+                      <a:endParaRPr lang="en-US"/>
+                    </a:p>
+                  </a:txBody>
+                  <a:tcPr/>
+                </a:tc>
+                <a:tc>
+                  <a:txBody>
+                    <a:bodyPr/>
+                    <a:lstStyle/>
+                    <a:p>
+                      <a:pPr algn="ctr"/>
+                      <a:r>
+                        <a:rPr lang="en-US" smtClean="0"/>
+                        <a:t>X</a:t>
+                      </a:r>
+                      <a:endParaRPr lang="en-US"/>
+                    </a:p>
+                  </a:txBody>
+                  <a:tcPr/>
+                </a:tc>
+                <a:tc>
+                  <a:txBody>
+                    <a:bodyPr/>
+                    <a:lstStyle/>
+                    <a:p>
+                      <a:pPr algn="ctr"/>
+                      <a:r>
+                        <a:rPr lang="en-US" smtClean="0"/>
+                        <a:t>X</a:t>
+                      </a:r>
+                      <a:endParaRPr lang="en-US"/>
+                    </a:p>
+                  </a:txBody>
+                  <a:tcPr/>
+                </a:tc>
+                <a:extLst>
+                  <a:ext uri="{0D108BD9-81ED-4DB2-BD59-A6C34878D82A}">
+                    <a16:rowId xmlns:a16="http://schemas.microsoft.com/office/drawing/2014/main" val="266168220"/>
+                  </a:ext>
+                </a:extLst>
+              </a:tr>
+              <a:tr h="379845">
+                <a:tc>
+                  <a:txBody>
+                    <a:bodyPr/>
+                    <a:lstStyle/>
+                    <a:p>
+                      <a:pPr algn="ctr"/>
+                      <a:r>
+                        <a:rPr lang="en-US" smtClean="0"/>
+                        <a:t>Mạch</a:t>
+                      </a:r>
+                      <a:r>
+                        <a:rPr lang="en-US" baseline="0" smtClean="0"/>
+                        <a:t> v1</a:t>
+                      </a:r>
+                      <a:endParaRPr lang="en-US"/>
+                    </a:p>
+                  </a:txBody>
+                  <a:tcPr/>
+                </a:tc>
+                <a:tc>
+                  <a:txBody>
+                    <a:bodyPr/>
+                    <a:lstStyle/>
+                    <a:p>
+                      <a:pPr algn="ctr"/>
+                      <a:r>
+                        <a:rPr lang="en-US" smtClean="0"/>
+                        <a:t>X</a:t>
+                      </a:r>
+                      <a:endParaRPr lang="en-US"/>
+                    </a:p>
+                  </a:txBody>
+                  <a:tcPr/>
+                </a:tc>
+                <a:tc>
+                  <a:txBody>
+                    <a:bodyPr/>
+                    <a:lstStyle/>
+                    <a:p>
+                      <a:pPr algn="ctr"/>
+                      <a:endParaRPr lang="en-US"/>
+                    </a:p>
+                  </a:txBody>
+                  <a:tcPr/>
+                </a:tc>
+                <a:extLst>
+                  <a:ext uri="{0D108BD9-81ED-4DB2-BD59-A6C34878D82A}">
+                    <a16:rowId xmlns:a16="http://schemas.microsoft.com/office/drawing/2014/main" val="3135188418"/>
+                  </a:ext>
+                </a:extLst>
+              </a:tr>
+              <a:tr h="370840">
+                <a:tc>
+                  <a:txBody>
+                    <a:bodyPr/>
+                    <a:lstStyle/>
+                    <a:p>
+                      <a:pPr algn="ctr"/>
+                      <a:r>
+                        <a:rPr lang="en-US" smtClean="0"/>
+                        <a:t>Mạch</a:t>
+                      </a:r>
+                      <a:r>
+                        <a:rPr lang="en-US" baseline="0" smtClean="0"/>
+                        <a:t> v2</a:t>
+                      </a:r>
+                      <a:endParaRPr lang="en-US"/>
+                    </a:p>
+                  </a:txBody>
+                  <a:tcPr/>
+                </a:tc>
+                <a:tc>
+                  <a:txBody>
+                    <a:bodyPr/>
+                    <a:lstStyle/>
+                    <a:p>
+                      <a:pPr algn="ctr"/>
+                      <a:r>
+                        <a:rPr lang="en-US" baseline="0" smtClean="0"/>
+                        <a:t>Bộ lọc bậc 2</a:t>
+                      </a:r>
+                      <a:endParaRPr lang="en-US"/>
+                    </a:p>
+                  </a:txBody>
+                  <a:tcPr/>
+                </a:tc>
+                <a:tc>
+                  <a:txBody>
+                    <a:bodyPr/>
+                    <a:lstStyle/>
+                    <a:p>
+                      <a:pPr algn="ctr"/>
+                      <a:r>
+                        <a:rPr lang="en-US" smtClean="0"/>
+                        <a:t>Bộ</a:t>
+                      </a:r>
+                      <a:r>
+                        <a:rPr lang="en-US" baseline="0" smtClean="0"/>
+                        <a:t> so sánh</a:t>
+                      </a:r>
+                      <a:endParaRPr lang="en-US"/>
+                    </a:p>
+                  </a:txBody>
+                  <a:tcPr/>
+                </a:tc>
+                <a:extLst>
+                  <a:ext uri="{0D108BD9-81ED-4DB2-BD59-A6C34878D82A}">
+                    <a16:rowId xmlns:a16="http://schemas.microsoft.com/office/drawing/2014/main" val="3692428250"/>
+                  </a:ext>
+                </a:extLst>
+              </a:tr>
+              <a:tr h="370840">
+                <a:tc>
+                  <a:txBody>
+                    <a:bodyPr/>
+                    <a:lstStyle/>
+                    <a:p>
+                      <a:pPr algn="ctr"/>
+                      <a:r>
+                        <a:rPr lang="en-US" smtClean="0"/>
+                        <a:t>Làm</a:t>
+                      </a:r>
+                      <a:r>
+                        <a:rPr lang="en-US" baseline="0" smtClean="0"/>
+                        <a:t> mạch PCB &amp; hàn mạch</a:t>
+                      </a:r>
+                      <a:endParaRPr lang="en-US"/>
+                    </a:p>
+                  </a:txBody>
+                  <a:tcPr/>
+                </a:tc>
+                <a:tc>
+                  <a:txBody>
+                    <a:bodyPr/>
+                    <a:lstStyle/>
+                    <a:p>
+                      <a:pPr algn="ctr"/>
+                      <a:r>
+                        <a:rPr lang="en-US" smtClean="0"/>
+                        <a:t>X</a:t>
+                      </a:r>
+                      <a:endParaRPr lang="en-US"/>
+                    </a:p>
+                  </a:txBody>
+                  <a:tcPr/>
+                </a:tc>
+                <a:tc>
+                  <a:txBody>
+                    <a:bodyPr/>
+                    <a:lstStyle/>
+                    <a:p>
+                      <a:pPr algn="ctr"/>
+                      <a:r>
+                        <a:rPr lang="en-US" smtClean="0"/>
+                        <a:t>X</a:t>
+                      </a:r>
+                      <a:endParaRPr lang="en-US"/>
+                    </a:p>
+                  </a:txBody>
+                  <a:tcPr/>
+                </a:tc>
+                <a:extLst>
+                  <a:ext uri="{0D108BD9-81ED-4DB2-BD59-A6C34878D82A}">
+                    <a16:rowId xmlns:a16="http://schemas.microsoft.com/office/drawing/2014/main" val="2355717180"/>
+                  </a:ext>
+                </a:extLst>
+              </a:tr>
+            </a:tbl>
+          </a:graphicData>
+        </a:graphic>
+      </p:graphicFrame>
+    </p:spTree>
+    <p:extLst>
+      <p:ext uri="{BB962C8B-B14F-4D97-AF65-F5344CB8AC3E}">
+        <p14:creationId xmlns:p14="http://schemas.microsoft.com/office/powerpoint/2010/main" val="2938315456"/>
+      </p:ext>
+    </p:extLst>
+  </p:cSld>
+  <p:clrMapOvr>
+    <a:masterClrMapping/>
+  </p:clrMapOvr>
+  <p:timing>
+    <p:tnLst>
+      <p:par>
+        <p:cTn id="1" dur="indefinite" restart="never" nodeType="tmRoot"/>
+      </p:par>
+    </p:tnLst>
+  </p:timing>
+</p:sld>
+</file>
+
+<file path=ppt/slides/slide15.xml><?xml version="1.0" encoding="utf-8"?>
+<p:sld xmlns:a="http://schemas.openxmlformats.org/drawingml/2006/main" xmlns:r="http://schemas.openxmlformats.org/officeDocument/2006/relationships" xmlns:p="http://schemas.openxmlformats.org/presentationml/2006/main">
+  <p:cSld>
+    <p:spTree>
+      <p:nvGrpSpPr>
         <p:cNvPr id="1" name="Shape 1384"/>
         <p:cNvGrpSpPr/>
         <p:nvPr/>
@@ -19523,15 +20206,78 @@
           </a:p>
         </p:txBody>
       </p:sp>
+      <p:pic>
+        <p:nvPicPr>
+          <p:cNvPr id="9" name="Picture 8"/>
+          <p:cNvPicPr>
+            <a:picLocks noChangeAspect="1"/>
+          </p:cNvPicPr>
+          <p:nvPr/>
+        </p:nvPicPr>
+        <p:blipFill>
+          <a:blip r:embed="rId3">
+            <a:extLst>
+              <a:ext uri="{28A0092B-C50C-407E-A947-70E740481C1C}">
+                <a14:useLocalDpi xmlns:a14="http://schemas.microsoft.com/office/drawing/2010/main" val="0"/>
+              </a:ext>
+            </a:extLst>
+          </a:blip>
+          <a:stretch>
+            <a:fillRect/>
+          </a:stretch>
+        </p:blipFill>
+        <p:spPr>
+          <a:xfrm>
+            <a:off x="2392565" y="1346868"/>
+            <a:ext cx="4351859" cy="3437807"/>
+          </a:xfrm>
+          <a:prstGeom prst="rect">
+            <a:avLst/>
+          </a:prstGeom>
+        </p:spPr>
+      </p:pic>
       <p:sp>
         <p:nvSpPr>
-          <p:cNvPr id="6" name="TextBox 5"/>
+          <p:cNvPr id="2" name="TextBox 1"/>
           <p:cNvSpPr txBox="1"/>
           <p:nvPr/>
         </p:nvSpPr>
         <p:spPr>
           <a:xfrm>
-            <a:off x="598141" y="783771"/>
+            <a:off x="1615669" y="4777344"/>
+            <a:ext cx="8243350" cy="276999"/>
+          </a:xfrm>
+          <a:prstGeom prst="rect">
+            <a:avLst/>
+          </a:prstGeom>
+          <a:noFill/>
+        </p:spPr>
+        <p:txBody>
+          <a:bodyPr wrap="square" rtlCol="0">
+            <a:spAutoFit/>
+          </a:bodyPr>
+          <a:lstStyle/>
+          <a:p>
+            <a:r>
+              <a:rPr lang="en-US" sz="1200" b="1"/>
+              <a:t>Tham khảo tại:</a:t>
+            </a:r>
+            <a:r>
+              <a:rPr lang="en-US" sz="1200"/>
+              <a:t> https://www.sciencedirect.com/science/article/pii/S2095754816302046</a:t>
+            </a:r>
+          </a:p>
+        </p:txBody>
+      </p:sp>
+      <p:sp>
+        <p:nvSpPr>
+          <p:cNvPr id="8" name="TextBox 7"/>
+          <p:cNvSpPr txBox="1"/>
+          <p:nvPr/>
+        </p:nvSpPr>
+        <p:spPr>
+          <a:xfrm>
+            <a:off x="653143" y="692465"/>
             <a:ext cx="2763826" cy="626903"/>
           </a:xfrm>
           <a:prstGeom prst="rect">
@@ -19563,36 +20309,6 @@
           </a:p>
         </p:txBody>
       </p:sp>
-      <p:pic>
-        <p:nvPicPr>
-          <p:cNvPr id="9" name="Picture 8"/>
-          <p:cNvPicPr>
-            <a:picLocks noChangeAspect="1"/>
-          </p:cNvPicPr>
-          <p:nvPr/>
-        </p:nvPicPr>
-        <p:blipFill>
-          <a:blip r:embed="rId3">
-            <a:extLst>
-              <a:ext uri="{28A0092B-C50C-407E-A947-70E740481C1C}">
-                <a14:useLocalDpi xmlns:a14="http://schemas.microsoft.com/office/drawing/2010/main" val="0"/>
-              </a:ext>
-            </a:extLst>
-          </a:blip>
-          <a:stretch>
-            <a:fillRect/>
-          </a:stretch>
-        </p:blipFill>
-        <p:spPr>
-          <a:xfrm>
-            <a:off x="2294091" y="1529480"/>
-            <a:ext cx="4509758" cy="3562542"/>
-          </a:xfrm>
-          <a:prstGeom prst="rect">
-            <a:avLst/>
-          </a:prstGeom>
-        </p:spPr>
-      </p:pic>
     </p:spTree>
     <p:extLst>
       <p:ext uri="{BB962C8B-B14F-4D97-AF65-F5344CB8AC3E}">
@@ -19736,8 +20452,8 @@
         </p:blipFill>
         <p:spPr>
           <a:xfrm>
-            <a:off x="948776" y="1210034"/>
-            <a:ext cx="7349575" cy="3339951"/>
+            <a:off x="1285661" y="1027435"/>
+            <a:ext cx="6455801" cy="2933783"/>
           </a:xfrm>
           <a:prstGeom prst="rect">
             <a:avLst/>
@@ -19780,6 +20496,272 @@
           </a:p>
         </p:txBody>
       </p:sp>
+      <p:sp>
+        <p:nvSpPr>
+          <p:cNvPr id="6" name="TextBox 5"/>
+          <p:cNvSpPr txBox="1"/>
+          <p:nvPr/>
+        </p:nvSpPr>
+        <p:spPr>
+          <a:xfrm>
+            <a:off x="1684422" y="4298596"/>
+            <a:ext cx="2069431" cy="307777"/>
+          </a:xfrm>
+          <a:prstGeom prst="rect">
+            <a:avLst/>
+          </a:prstGeom>
+          <a:noFill/>
+        </p:spPr>
+        <p:txBody>
+          <a:bodyPr wrap="square" rtlCol="0">
+            <a:spAutoFit/>
+          </a:bodyPr>
+          <a:lstStyle/>
+          <a:p>
+            <a:r>
+              <a:rPr lang="en-US" smtClean="0"/>
+              <a:t>F</a:t>
+            </a:r>
+            <a:r>
+              <a:rPr lang="en-US" baseline="-25000" smtClean="0"/>
+              <a:t>cutoff</a:t>
+            </a:r>
+            <a:r>
+              <a:rPr lang="en-US" smtClean="0"/>
+              <a:t> = 0.7 Hz</a:t>
+            </a:r>
+            <a:endParaRPr lang="en-US"/>
+          </a:p>
+        </p:txBody>
+      </p:sp>
+      <p:sp>
+        <p:nvSpPr>
+          <p:cNvPr id="8" name="TextBox 7"/>
+          <p:cNvSpPr txBox="1"/>
+          <p:nvPr/>
+        </p:nvSpPr>
+        <p:spPr>
+          <a:xfrm>
+            <a:off x="5672031" y="4316584"/>
+            <a:ext cx="2069431" cy="307777"/>
+          </a:xfrm>
+          <a:prstGeom prst="rect">
+            <a:avLst/>
+          </a:prstGeom>
+          <a:noFill/>
+        </p:spPr>
+        <p:txBody>
+          <a:bodyPr wrap="square" rtlCol="0">
+            <a:spAutoFit/>
+          </a:bodyPr>
+          <a:lstStyle/>
+          <a:p>
+            <a:r>
+              <a:rPr lang="en-US" smtClean="0"/>
+              <a:t>F</a:t>
+            </a:r>
+            <a:r>
+              <a:rPr lang="en-US" baseline="-25000" smtClean="0"/>
+              <a:t>cutoff</a:t>
+            </a:r>
+            <a:r>
+              <a:rPr lang="en-US" smtClean="0"/>
+              <a:t> = 2.34 Hz</a:t>
+            </a:r>
+            <a:endParaRPr lang="en-US"/>
+          </a:p>
+        </p:txBody>
+      </p:sp>
+      <p:sp>
+        <p:nvSpPr>
+          <p:cNvPr id="9" name="TextBox 8"/>
+          <p:cNvSpPr txBox="1"/>
+          <p:nvPr/>
+        </p:nvSpPr>
+        <p:spPr>
+          <a:xfrm>
+            <a:off x="5774013" y="4202134"/>
+            <a:ext cx="770021" cy="230832"/>
+          </a:xfrm>
+          <a:prstGeom prst="rect">
+            <a:avLst/>
+          </a:prstGeom>
+          <a:noFill/>
+        </p:spPr>
+        <p:txBody>
+          <a:bodyPr wrap="square" rtlCol="0">
+            <a:spAutoFit/>
+          </a:bodyPr>
+          <a:lstStyle/>
+          <a:p>
+            <a:r>
+              <a:rPr lang="en-US" sz="900" smtClean="0"/>
+              <a:t>LP</a:t>
+            </a:r>
+            <a:endParaRPr lang="en-US" sz="900"/>
+          </a:p>
+        </p:txBody>
+      </p:sp>
+      <p:sp>
+        <p:nvSpPr>
+          <p:cNvPr id="10" name="TextBox 9"/>
+          <p:cNvSpPr txBox="1"/>
+          <p:nvPr/>
+        </p:nvSpPr>
+        <p:spPr>
+          <a:xfrm>
+            <a:off x="1796000" y="4183180"/>
+            <a:ext cx="770021" cy="230832"/>
+          </a:xfrm>
+          <a:prstGeom prst="rect">
+            <a:avLst/>
+          </a:prstGeom>
+          <a:noFill/>
+        </p:spPr>
+        <p:txBody>
+          <a:bodyPr wrap="square" rtlCol="0">
+            <a:spAutoFit/>
+          </a:bodyPr>
+          <a:lstStyle/>
+          <a:p>
+            <a:r>
+              <a:rPr lang="en-US" sz="900"/>
+              <a:t>H</a:t>
+            </a:r>
+            <a:r>
+              <a:rPr lang="en-US" sz="900" smtClean="0"/>
+              <a:t>P</a:t>
+            </a:r>
+            <a:endParaRPr lang="en-US" sz="900"/>
+          </a:p>
+        </p:txBody>
+      </p:sp>
+      <p:sp>
+        <p:nvSpPr>
+          <p:cNvPr id="11" name="TextBox 10"/>
+          <p:cNvSpPr txBox="1"/>
+          <p:nvPr/>
+        </p:nvSpPr>
+        <p:spPr>
+          <a:xfrm>
+            <a:off x="1684422" y="4623560"/>
+            <a:ext cx="1265035" cy="307777"/>
+          </a:xfrm>
+          <a:prstGeom prst="rect">
+            <a:avLst/>
+          </a:prstGeom>
+          <a:noFill/>
+        </p:spPr>
+        <p:txBody>
+          <a:bodyPr wrap="square" rtlCol="0">
+            <a:spAutoFit/>
+          </a:bodyPr>
+          <a:lstStyle/>
+          <a:p>
+            <a:r>
+              <a:rPr lang="en-US" smtClean="0"/>
+              <a:t>G = 2</a:t>
+            </a:r>
+            <a:endParaRPr lang="en-US"/>
+          </a:p>
+        </p:txBody>
+      </p:sp>
+      <p:sp>
+        <p:nvSpPr>
+          <p:cNvPr id="12" name="TextBox 11"/>
+          <p:cNvSpPr txBox="1"/>
+          <p:nvPr/>
+        </p:nvSpPr>
+        <p:spPr>
+          <a:xfrm>
+            <a:off x="5672031" y="4641548"/>
+            <a:ext cx="1065654" cy="307777"/>
+          </a:xfrm>
+          <a:prstGeom prst="rect">
+            <a:avLst/>
+          </a:prstGeom>
+          <a:noFill/>
+        </p:spPr>
+        <p:txBody>
+          <a:bodyPr wrap="square" rtlCol="0">
+            <a:spAutoFit/>
+          </a:bodyPr>
+          <a:lstStyle/>
+          <a:p>
+            <a:r>
+              <a:rPr lang="en-US" smtClean="0"/>
+              <a:t>G = 101</a:t>
+            </a:r>
+            <a:endParaRPr lang="en-US"/>
+          </a:p>
+        </p:txBody>
+      </p:sp>
+      <p:cxnSp>
+        <p:nvCxnSpPr>
+          <p:cNvPr id="14" name="Straight Arrow Connector 13"/>
+          <p:cNvCxnSpPr/>
+          <p:nvPr/>
+        </p:nvCxnSpPr>
+        <p:spPr>
+          <a:xfrm flipH="1">
+            <a:off x="2488818" y="3729932"/>
+            <a:ext cx="831898" cy="453248"/>
+          </a:xfrm>
+          <a:prstGeom prst="straightConnector1">
+            <a:avLst/>
+          </a:prstGeom>
+          <a:ln>
+            <a:tailEnd type="triangle"/>
+          </a:ln>
+        </p:spPr>
+        <p:style>
+          <a:lnRef idx="1">
+            <a:schemeClr val="accent1"/>
+          </a:lnRef>
+          <a:fillRef idx="0">
+            <a:schemeClr val="accent1"/>
+          </a:fillRef>
+          <a:effectRef idx="0">
+            <a:schemeClr val="accent1"/>
+          </a:effectRef>
+          <a:fontRef idx="minor">
+            <a:schemeClr val="tx1"/>
+          </a:fontRef>
+        </p:style>
+      </p:cxnSp>
+      <p:cxnSp>
+        <p:nvCxnSpPr>
+          <p:cNvPr id="18" name="Straight Arrow Connector 17"/>
+          <p:cNvCxnSpPr/>
+          <p:nvPr/>
+        </p:nvCxnSpPr>
+        <p:spPr>
+          <a:xfrm>
+            <a:off x="5018887" y="3729932"/>
+            <a:ext cx="653144" cy="568664"/>
+          </a:xfrm>
+          <a:prstGeom prst="straightConnector1">
+            <a:avLst/>
+          </a:prstGeom>
+          <a:ln>
+            <a:tailEnd type="triangle"/>
+          </a:ln>
+        </p:spPr>
+        <p:style>
+          <a:lnRef idx="1">
+            <a:schemeClr val="accent1"/>
+          </a:lnRef>
+          <a:fillRef idx="0">
+            <a:schemeClr val="accent1"/>
+          </a:fillRef>
+          <a:effectRef idx="0">
+            <a:schemeClr val="accent1"/>
+          </a:effectRef>
+          <a:fontRef idx="minor">
+            <a:schemeClr val="tx1"/>
+          </a:fontRef>
+        </p:style>
+      </p:cxnSp>
     </p:spTree>
     <p:extLst>
       <p:ext uri="{BB962C8B-B14F-4D97-AF65-F5344CB8AC3E}">
@@ -20153,7 +21135,7 @@
         </p:blipFill>
         <p:spPr>
           <a:xfrm>
-            <a:off x="270630" y="1271911"/>
+            <a:off x="270630" y="1148157"/>
             <a:ext cx="8618988" cy="2651165"/>
           </a:xfrm>
           <a:prstGeom prst="rect">
@@ -20161,6 +21143,305 @@
           </a:prstGeom>
         </p:spPr>
       </p:pic>
+      <p:sp>
+        <p:nvSpPr>
+          <p:cNvPr id="8" name="TextBox 7"/>
+          <p:cNvSpPr txBox="1"/>
+          <p:nvPr/>
+        </p:nvSpPr>
+        <p:spPr>
+          <a:xfrm>
+            <a:off x="1684422" y="4298596"/>
+            <a:ext cx="2069431" cy="307777"/>
+          </a:xfrm>
+          <a:prstGeom prst="rect">
+            <a:avLst/>
+          </a:prstGeom>
+          <a:noFill/>
+        </p:spPr>
+        <p:txBody>
+          <a:bodyPr wrap="square" rtlCol="0">
+            <a:spAutoFit/>
+          </a:bodyPr>
+          <a:lstStyle/>
+          <a:p>
+            <a:r>
+              <a:rPr lang="en-US" smtClean="0"/>
+              <a:t>F</a:t>
+            </a:r>
+            <a:r>
+              <a:rPr lang="en-US" baseline="-25000" smtClean="0"/>
+              <a:t>cutoff</a:t>
+            </a:r>
+            <a:r>
+              <a:rPr lang="en-US" smtClean="0"/>
+              <a:t> = 0.7 Hz</a:t>
+            </a:r>
+            <a:endParaRPr lang="en-US"/>
+          </a:p>
+        </p:txBody>
+      </p:sp>
+      <p:sp>
+        <p:nvSpPr>
+          <p:cNvPr id="9" name="TextBox 8"/>
+          <p:cNvSpPr txBox="1"/>
+          <p:nvPr/>
+        </p:nvSpPr>
+        <p:spPr>
+          <a:xfrm>
+            <a:off x="5672031" y="4316584"/>
+            <a:ext cx="2069431" cy="307777"/>
+          </a:xfrm>
+          <a:prstGeom prst="rect">
+            <a:avLst/>
+          </a:prstGeom>
+          <a:noFill/>
+        </p:spPr>
+        <p:txBody>
+          <a:bodyPr wrap="square" rtlCol="0">
+            <a:spAutoFit/>
+          </a:bodyPr>
+          <a:lstStyle/>
+          <a:p>
+            <a:r>
+              <a:rPr lang="en-US" smtClean="0"/>
+              <a:t>F</a:t>
+            </a:r>
+            <a:r>
+              <a:rPr lang="en-US" baseline="-25000" smtClean="0"/>
+              <a:t>cutoff</a:t>
+            </a:r>
+            <a:r>
+              <a:rPr lang="en-US" smtClean="0"/>
+              <a:t> = 2.34 Hz</a:t>
+            </a:r>
+            <a:endParaRPr lang="en-US"/>
+          </a:p>
+        </p:txBody>
+      </p:sp>
+      <p:sp>
+        <p:nvSpPr>
+          <p:cNvPr id="10" name="TextBox 9"/>
+          <p:cNvSpPr txBox="1"/>
+          <p:nvPr/>
+        </p:nvSpPr>
+        <p:spPr>
+          <a:xfrm>
+            <a:off x="5774013" y="4202134"/>
+            <a:ext cx="770021" cy="230832"/>
+          </a:xfrm>
+          <a:prstGeom prst="rect">
+            <a:avLst/>
+          </a:prstGeom>
+          <a:noFill/>
+        </p:spPr>
+        <p:txBody>
+          <a:bodyPr wrap="square" rtlCol="0">
+            <a:spAutoFit/>
+          </a:bodyPr>
+          <a:lstStyle/>
+          <a:p>
+            <a:r>
+              <a:rPr lang="en-US" sz="900" smtClean="0"/>
+              <a:t>LP</a:t>
+            </a:r>
+            <a:endParaRPr lang="en-US" sz="900"/>
+          </a:p>
+        </p:txBody>
+      </p:sp>
+      <p:sp>
+        <p:nvSpPr>
+          <p:cNvPr id="11" name="TextBox 10"/>
+          <p:cNvSpPr txBox="1"/>
+          <p:nvPr/>
+        </p:nvSpPr>
+        <p:spPr>
+          <a:xfrm>
+            <a:off x="1796000" y="4183180"/>
+            <a:ext cx="770021" cy="230832"/>
+          </a:xfrm>
+          <a:prstGeom prst="rect">
+            <a:avLst/>
+          </a:prstGeom>
+          <a:noFill/>
+        </p:spPr>
+        <p:txBody>
+          <a:bodyPr wrap="square" rtlCol="0">
+            <a:spAutoFit/>
+          </a:bodyPr>
+          <a:lstStyle/>
+          <a:p>
+            <a:r>
+              <a:rPr lang="en-US" sz="900"/>
+              <a:t>H</a:t>
+            </a:r>
+            <a:r>
+              <a:rPr lang="en-US" sz="900" smtClean="0"/>
+              <a:t>P</a:t>
+            </a:r>
+            <a:endParaRPr lang="en-US" sz="900"/>
+          </a:p>
+        </p:txBody>
+      </p:sp>
+      <p:sp>
+        <p:nvSpPr>
+          <p:cNvPr id="12" name="TextBox 11"/>
+          <p:cNvSpPr txBox="1"/>
+          <p:nvPr/>
+        </p:nvSpPr>
+        <p:spPr>
+          <a:xfrm>
+            <a:off x="1684422" y="4623560"/>
+            <a:ext cx="1265035" cy="307777"/>
+          </a:xfrm>
+          <a:prstGeom prst="rect">
+            <a:avLst/>
+          </a:prstGeom>
+          <a:noFill/>
+        </p:spPr>
+        <p:txBody>
+          <a:bodyPr wrap="square" rtlCol="0">
+            <a:spAutoFit/>
+          </a:bodyPr>
+          <a:lstStyle/>
+          <a:p>
+            <a:r>
+              <a:rPr lang="en-US" smtClean="0"/>
+              <a:t>G = 1 </a:t>
+            </a:r>
+            <a:endParaRPr lang="en-US"/>
+          </a:p>
+        </p:txBody>
+      </p:sp>
+      <p:sp>
+        <p:nvSpPr>
+          <p:cNvPr id="13" name="TextBox 12"/>
+          <p:cNvSpPr txBox="1"/>
+          <p:nvPr/>
+        </p:nvSpPr>
+        <p:spPr>
+          <a:xfrm>
+            <a:off x="5672031" y="4641548"/>
+            <a:ext cx="1065654" cy="307777"/>
+          </a:xfrm>
+          <a:prstGeom prst="rect">
+            <a:avLst/>
+          </a:prstGeom>
+          <a:noFill/>
+        </p:spPr>
+        <p:txBody>
+          <a:bodyPr wrap="square" rtlCol="0">
+            <a:spAutoFit/>
+          </a:bodyPr>
+          <a:lstStyle/>
+          <a:p>
+            <a:r>
+              <a:rPr lang="en-US" smtClean="0"/>
+              <a:t>G = 101</a:t>
+            </a:r>
+            <a:endParaRPr lang="en-US"/>
+          </a:p>
+        </p:txBody>
+      </p:sp>
+      <p:cxnSp>
+        <p:nvCxnSpPr>
+          <p:cNvPr id="4" name="Straight Arrow Connector 3"/>
+          <p:cNvCxnSpPr/>
+          <p:nvPr/>
+        </p:nvCxnSpPr>
+        <p:spPr>
+          <a:xfrm flipH="1">
+            <a:off x="2330689" y="3581973"/>
+            <a:ext cx="618768" cy="601207"/>
+          </a:xfrm>
+          <a:prstGeom prst="straightConnector1">
+            <a:avLst/>
+          </a:prstGeom>
+          <a:ln>
+            <a:tailEnd type="triangle"/>
+          </a:ln>
+        </p:spPr>
+        <p:style>
+          <a:lnRef idx="1">
+            <a:schemeClr val="accent1"/>
+          </a:lnRef>
+          <a:fillRef idx="0">
+            <a:schemeClr val="accent1"/>
+          </a:fillRef>
+          <a:effectRef idx="0">
+            <a:schemeClr val="accent1"/>
+          </a:effectRef>
+          <a:fontRef idx="minor">
+            <a:schemeClr val="tx1"/>
+          </a:fontRef>
+        </p:style>
+      </p:cxnSp>
+      <p:cxnSp>
+        <p:nvCxnSpPr>
+          <p:cNvPr id="14" name="Straight Arrow Connector 13"/>
+          <p:cNvCxnSpPr/>
+          <p:nvPr/>
+        </p:nvCxnSpPr>
+        <p:spPr>
+          <a:xfrm>
+            <a:off x="4537625" y="3643850"/>
+            <a:ext cx="921274" cy="770162"/>
+          </a:xfrm>
+          <a:prstGeom prst="straightConnector1">
+            <a:avLst/>
+          </a:prstGeom>
+          <a:ln>
+            <a:tailEnd type="triangle"/>
+          </a:ln>
+        </p:spPr>
+        <p:style>
+          <a:lnRef idx="1">
+            <a:schemeClr val="accent1"/>
+          </a:lnRef>
+          <a:fillRef idx="0">
+            <a:schemeClr val="accent1"/>
+          </a:fillRef>
+          <a:effectRef idx="0">
+            <a:schemeClr val="accent1"/>
+          </a:effectRef>
+          <a:fontRef idx="minor">
+            <a:schemeClr val="tx1"/>
+          </a:fontRef>
+        </p:style>
+      </p:cxnSp>
+      <p:cxnSp>
+        <p:nvCxnSpPr>
+          <p:cNvPr id="17" name="Straight Arrow Connector 16"/>
+          <p:cNvCxnSpPr/>
+          <p:nvPr/>
+        </p:nvCxnSpPr>
+        <p:spPr>
+          <a:xfrm>
+            <a:off x="6256421" y="3471970"/>
+            <a:ext cx="82502" cy="711210"/>
+          </a:xfrm>
+          <a:prstGeom prst="straightConnector1">
+            <a:avLst/>
+          </a:prstGeom>
+          <a:ln>
+            <a:tailEnd type="triangle"/>
+          </a:ln>
+        </p:spPr>
+        <p:style>
+          <a:lnRef idx="1">
+            <a:schemeClr val="accent1"/>
+          </a:lnRef>
+          <a:fillRef idx="0">
+            <a:schemeClr val="accent1"/>
+          </a:fillRef>
+          <a:effectRef idx="0">
+            <a:schemeClr val="accent1"/>
+          </a:effectRef>
+          <a:fontRef idx="minor">
+            <a:schemeClr val="tx1"/>
+          </a:fontRef>
+        </p:style>
+      </p:cxnSp>
     </p:spTree>
     <p:extLst>
       <p:ext uri="{BB962C8B-B14F-4D97-AF65-F5344CB8AC3E}">
@@ -20327,7 +21608,7 @@
       </p:sp>
       <p:pic>
         <p:nvPicPr>
-          <p:cNvPr id="4" name="Picture 3"/>
+          <p:cNvPr id="2" name="Picture 1"/>
           <p:cNvPicPr>
             <a:picLocks noChangeAspect="1"/>
           </p:cNvPicPr>
@@ -20347,8 +21628,8 @@
         </p:blipFill>
         <p:spPr>
           <a:xfrm>
-            <a:off x="749394" y="1052634"/>
-            <a:ext cx="7851466" cy="3801248"/>
+            <a:off x="1333787" y="1082965"/>
+            <a:ext cx="6620806" cy="3322503"/>
           </a:xfrm>
           <a:prstGeom prst="rect">
             <a:avLst/>
